--- a/proyecto/fase03/GA9-240201526-AA2-EV01 Proyecto de vida.pptx
+++ b/proyecto/fase03/GA9-240201526-AA2-EV01 Proyecto de vida.pptx
@@ -249,7 +249,7 @@
           <a:p>
             <a:fld id="{40F7E65D-F86A-47A0-BE30-D1951582E2A1}" type="datetimeFigureOut">
               <a:rPr lang="es-CO" smtClean="0"/>
-              <a:t>25/02/2024</a:t>
+              <a:t>26/02/2024</a:t>
             </a:fld>
             <a:endParaRPr lang="es-CO"/>
           </a:p>
@@ -419,7 +419,7 @@
           <a:p>
             <a:fld id="{40F7E65D-F86A-47A0-BE30-D1951582E2A1}" type="datetimeFigureOut">
               <a:rPr lang="es-CO" smtClean="0"/>
-              <a:t>25/02/2024</a:t>
+              <a:t>26/02/2024</a:t>
             </a:fld>
             <a:endParaRPr lang="es-CO"/>
           </a:p>
@@ -599,7 +599,7 @@
           <a:p>
             <a:fld id="{40F7E65D-F86A-47A0-BE30-D1951582E2A1}" type="datetimeFigureOut">
               <a:rPr lang="es-CO" smtClean="0"/>
-              <a:t>25/02/2024</a:t>
+              <a:t>26/02/2024</a:t>
             </a:fld>
             <a:endParaRPr lang="es-CO"/>
           </a:p>
@@ -769,7 +769,7 @@
           <a:p>
             <a:fld id="{40F7E65D-F86A-47A0-BE30-D1951582E2A1}" type="datetimeFigureOut">
               <a:rPr lang="es-CO" smtClean="0"/>
-              <a:t>25/02/2024</a:t>
+              <a:t>26/02/2024</a:t>
             </a:fld>
             <a:endParaRPr lang="es-CO"/>
           </a:p>
@@ -1015,7 +1015,7 @@
           <a:p>
             <a:fld id="{40F7E65D-F86A-47A0-BE30-D1951582E2A1}" type="datetimeFigureOut">
               <a:rPr lang="es-CO" smtClean="0"/>
-              <a:t>25/02/2024</a:t>
+              <a:t>26/02/2024</a:t>
             </a:fld>
             <a:endParaRPr lang="es-CO"/>
           </a:p>
@@ -1247,7 +1247,7 @@
           <a:p>
             <a:fld id="{40F7E65D-F86A-47A0-BE30-D1951582E2A1}" type="datetimeFigureOut">
               <a:rPr lang="es-CO" smtClean="0"/>
-              <a:t>25/02/2024</a:t>
+              <a:t>26/02/2024</a:t>
             </a:fld>
             <a:endParaRPr lang="es-CO"/>
           </a:p>
@@ -1614,7 +1614,7 @@
           <a:p>
             <a:fld id="{40F7E65D-F86A-47A0-BE30-D1951582E2A1}" type="datetimeFigureOut">
               <a:rPr lang="es-CO" smtClean="0"/>
-              <a:t>25/02/2024</a:t>
+              <a:t>26/02/2024</a:t>
             </a:fld>
             <a:endParaRPr lang="es-CO"/>
           </a:p>
@@ -1732,7 +1732,7 @@
           <a:p>
             <a:fld id="{40F7E65D-F86A-47A0-BE30-D1951582E2A1}" type="datetimeFigureOut">
               <a:rPr lang="es-CO" smtClean="0"/>
-              <a:t>25/02/2024</a:t>
+              <a:t>26/02/2024</a:t>
             </a:fld>
             <a:endParaRPr lang="es-CO"/>
           </a:p>
@@ -1827,7 +1827,7 @@
           <a:p>
             <a:fld id="{40F7E65D-F86A-47A0-BE30-D1951582E2A1}" type="datetimeFigureOut">
               <a:rPr lang="es-CO" smtClean="0"/>
-              <a:t>25/02/2024</a:t>
+              <a:t>26/02/2024</a:t>
             </a:fld>
             <a:endParaRPr lang="es-CO"/>
           </a:p>
@@ -2104,7 +2104,7 @@
           <a:p>
             <a:fld id="{40F7E65D-F86A-47A0-BE30-D1951582E2A1}" type="datetimeFigureOut">
               <a:rPr lang="es-CO" smtClean="0"/>
-              <a:t>25/02/2024</a:t>
+              <a:t>26/02/2024</a:t>
             </a:fld>
             <a:endParaRPr lang="es-CO"/>
           </a:p>
@@ -2357,7 +2357,7 @@
           <a:p>
             <a:fld id="{40F7E65D-F86A-47A0-BE30-D1951582E2A1}" type="datetimeFigureOut">
               <a:rPr lang="es-CO" smtClean="0"/>
-              <a:t>25/02/2024</a:t>
+              <a:t>26/02/2024</a:t>
             </a:fld>
             <a:endParaRPr lang="es-CO"/>
           </a:p>
@@ -2579,7 +2579,7 @@
           <a:p>
             <a:fld id="{40F7E65D-F86A-47A0-BE30-D1951582E2A1}" type="datetimeFigureOut">
               <a:rPr lang="es-CO" smtClean="0"/>
-              <a:t>25/02/2024</a:t>
+              <a:t>26/02/2024</a:t>
             </a:fld>
             <a:endParaRPr lang="es-CO"/>
           </a:p>
@@ -3021,6 +3021,10 @@
             <a:br>
               <a:rPr lang="en-US" sz="4400" dirty="0"/>
             </a:br>
+            <a:r>
+              <a:rPr lang="en-US" sz="4400" dirty="0"/>
+              <a:t/>
+            </a:r>
             <a:br>
               <a:rPr lang="en-US" sz="4400" dirty="0"/>
             </a:br>
@@ -3031,6 +3035,10 @@
             <a:br>
               <a:rPr lang="en-US" sz="4400" dirty="0"/>
             </a:br>
+            <a:r>
+              <a:rPr lang="en-US" sz="4400" dirty="0"/>
+              <a:t/>
+            </a:r>
             <a:br>
               <a:rPr lang="en-US" sz="4400" dirty="0"/>
             </a:br>
@@ -3045,6 +3053,10 @@
             <a:br>
               <a:rPr lang="en-US" sz="4400" dirty="0"/>
             </a:br>
+            <a:r>
+              <a:rPr lang="en-US" sz="4400" dirty="0"/>
+              <a:t/>
+            </a:r>
             <a:br>
               <a:rPr lang="en-US" sz="4400" dirty="0"/>
             </a:br>
@@ -3082,6 +3094,10 @@
             <a:r>
               <a:rPr lang="es-CO" sz="4400" dirty="0"/>
               <a:t>: 26 75 810</a:t>
+            </a:r>
+            <a:r>
+              <a:rPr lang="es-CO" dirty="0"/>
+              <a:t/>
             </a:r>
             <a:br>
               <a:rPr lang="es-CO" dirty="0"/>
@@ -3090,44 +3106,6 @@
           </a:p>
         </p:txBody>
       </p:sp>
-      <p:pic>
-        <p:nvPicPr>
-          <p:cNvPr id="4" name="Voz 0">
-            <a:hlinkClick r:id="" action="ppaction://media"/>
-            <a:extLst>
-              <a:ext uri="{FF2B5EF4-FFF2-40B4-BE49-F238E27FC236}">
-                <a16:creationId xmlns:a16="http://schemas.microsoft.com/office/drawing/2014/main" id="{EFA5FD96-0C6A-9A4F-95E8-3671E4D83916}"/>
-              </a:ext>
-            </a:extLst>
-          </p:cNvPr>
-          <p:cNvPicPr>
-            <a:picLocks noChangeAspect="1"/>
-          </p:cNvPicPr>
-          <p:nvPr>
-            <a:videoFile r:link="rId2"/>
-            <p:extLst>
-              <p:ext uri="{DAA4B4D4-6D71-4841-9C94-3DE7FCFB9230}">
-                <p14:media xmlns:p14="http://schemas.microsoft.com/office/powerpoint/2010/main" r:embed="rId1"/>
-              </p:ext>
-            </p:extLst>
-          </p:nvPr>
-        </p:nvPicPr>
-        <p:blipFill>
-          <a:blip r:embed="rId4"/>
-          <a:stretch>
-            <a:fillRect/>
-          </a:stretch>
-        </p:blipFill>
-        <p:spPr>
-          <a:xfrm rot="21222490">
-            <a:off x="5533504" y="6017341"/>
-            <a:ext cx="562495" cy="562495"/>
-          </a:xfrm>
-          <a:prstGeom prst="rect">
-            <a:avLst/>
-          </a:prstGeom>
-        </p:spPr>
-      </p:pic>
     </p:spTree>
     <p:extLst>
       <p:ext uri="{BB962C8B-B14F-4D97-AF65-F5344CB8AC3E}">
@@ -3149,87 +3127,7 @@
   <p:timing>
     <p:tnLst>
       <p:par>
-        <p:cTn id="1" dur="indefinite" restart="never" nodeType="tmRoot">
-          <p:childTnLst>
-            <p:seq concurrent="1" nextAc="seek">
-              <p:cTn id="2" dur="indefinite" nodeType="mainSeq">
-                <p:childTnLst>
-                  <p:par>
-                    <p:cTn id="3" fill="hold">
-                      <p:stCondLst>
-                        <p:cond delay="indefinite"/>
-                        <p:cond evt="onBegin" delay="0">
-                          <p:tn val="2"/>
-                        </p:cond>
-                      </p:stCondLst>
-                      <p:childTnLst>
-                        <p:par>
-                          <p:cTn id="4" fill="hold">
-                            <p:stCondLst>
-                              <p:cond delay="0"/>
-                            </p:stCondLst>
-                            <p:childTnLst>
-                              <p:par>
-                                <p:cTn id="5" presetID="1" presetClass="mediacall" presetSubtype="0" fill="hold" nodeType="afterEffect">
-                                  <p:stCondLst>
-                                    <p:cond delay="0"/>
-                                  </p:stCondLst>
-                                  <p:childTnLst>
-                                    <p:cmd type="call" cmd="playFrom(0.0)">
-                                      <p:cBhvr>
-                                        <p:cTn id="6" dur="15092" fill="hold"/>
-                                        <p:tgtEl>
-                                          <p:spTgt spid="4"/>
-                                        </p:tgtEl>
-                                      </p:cBhvr>
-                                    </p:cmd>
-                                  </p:childTnLst>
-                                </p:cTn>
-                              </p:par>
-                            </p:childTnLst>
-                          </p:cTn>
-                        </p:par>
-                      </p:childTnLst>
-                    </p:cTn>
-                  </p:par>
-                </p:childTnLst>
-              </p:cTn>
-              <p:prevCondLst>
-                <p:cond evt="onPrev" delay="0">
-                  <p:tgtEl>
-                    <p:sldTgt/>
-                  </p:tgtEl>
-                </p:cond>
-              </p:prevCondLst>
-              <p:nextCondLst>
-                <p:cond evt="onNext" delay="0">
-                  <p:tgtEl>
-                    <p:sldTgt/>
-                  </p:tgtEl>
-                </p:cond>
-              </p:nextCondLst>
-            </p:seq>
-            <p:video>
-              <p:cMediaNode vol="80000" showWhenStopped="0">
-                <p:cTn id="7" fill="hold" display="0">
-                  <p:stCondLst>
-                    <p:cond delay="indefinite"/>
-                  </p:stCondLst>
-                  <p:endCondLst>
-                    <p:cond evt="onStopAudio" delay="0">
-                      <p:tgtEl>
-                        <p:sldTgt/>
-                      </p:tgtEl>
-                    </p:cond>
-                  </p:endCondLst>
-                </p:cTn>
-                <p:tgtEl>
-                  <p:spTgt spid="4"/>
-                </p:tgtEl>
-              </p:cMediaNode>
-            </p:video>
-          </p:childTnLst>
-        </p:cTn>
+        <p:cTn id="1" dur="indefinite" restart="never" nodeType="tmRoot"/>
       </p:par>
     </p:tnLst>
   </p:timing>
@@ -3359,7 +3257,7 @@
           <p:cNvPr id="7" name="Imagen 6">
             <a:extLst>
               <a:ext uri="{FF2B5EF4-FFF2-40B4-BE49-F238E27FC236}">
-                <a16:creationId xmlns:a16="http://schemas.microsoft.com/office/drawing/2014/main" id="{C9D66B10-F2C3-88CF-1231-DB59EF5BD955}"/>
+                <a16:creationId xmlns:a16="http://schemas.microsoft.com/office/drawing/2014/main" xmlns="" id="{C9D66B10-F2C3-88CF-1231-DB59EF5BD955}"/>
               </a:ext>
             </a:extLst>
           </p:cNvPr>
@@ -3543,7 +3441,7 @@
           <p:cNvPr id="7" name="Imagen 6">
             <a:extLst>
               <a:ext uri="{FF2B5EF4-FFF2-40B4-BE49-F238E27FC236}">
-                <a16:creationId xmlns:a16="http://schemas.microsoft.com/office/drawing/2014/main" id="{31CBA3A5-A9E5-6833-AF9A-2BED42DD0129}"/>
+                <a16:creationId xmlns:a16="http://schemas.microsoft.com/office/drawing/2014/main" xmlns="" id="{31CBA3A5-A9E5-6833-AF9A-2BED42DD0129}"/>
               </a:ext>
             </a:extLst>
           </p:cNvPr>
@@ -3701,7 +3599,7 @@
           <p:cNvPr id="8" name="Imagen 7">
             <a:extLst>
               <a:ext uri="{FF2B5EF4-FFF2-40B4-BE49-F238E27FC236}">
-                <a16:creationId xmlns:a16="http://schemas.microsoft.com/office/drawing/2014/main" id="{D49FF77E-2400-2100-1920-DC911F8C7E7B}"/>
+                <a16:creationId xmlns:a16="http://schemas.microsoft.com/office/drawing/2014/main" xmlns="" id="{D49FF77E-2400-2100-1920-DC911F8C7E7B}"/>
               </a:ext>
             </a:extLst>
           </p:cNvPr>
@@ -3870,7 +3768,7 @@
           <p:cNvPr id="7" name="Imagen 6">
             <a:extLst>
               <a:ext uri="{FF2B5EF4-FFF2-40B4-BE49-F238E27FC236}">
-                <a16:creationId xmlns:a16="http://schemas.microsoft.com/office/drawing/2014/main" id="{D322D9C7-EC6C-F3AF-1D81-551C07EECEC8}"/>
+                <a16:creationId xmlns:a16="http://schemas.microsoft.com/office/drawing/2014/main" xmlns="" id="{D322D9C7-EC6C-F3AF-1D81-551C07EECEC8}"/>
               </a:ext>
             </a:extLst>
           </p:cNvPr>
@@ -4028,7 +3926,7 @@
           <p:cNvPr id="8" name="Imagen 7">
             <a:extLst>
               <a:ext uri="{FF2B5EF4-FFF2-40B4-BE49-F238E27FC236}">
-                <a16:creationId xmlns:a16="http://schemas.microsoft.com/office/drawing/2014/main" id="{97D7D79B-2DDA-BD35-7B62-BDA2AF73C540}"/>
+                <a16:creationId xmlns:a16="http://schemas.microsoft.com/office/drawing/2014/main" xmlns="" id="{97D7D79B-2DDA-BD35-7B62-BDA2AF73C540}"/>
               </a:ext>
             </a:extLst>
           </p:cNvPr>
@@ -4102,7 +4000,7 @@
           <p:cNvPr id="2" name="Título 1">
             <a:extLst>
               <a:ext uri="{FF2B5EF4-FFF2-40B4-BE49-F238E27FC236}">
-                <a16:creationId xmlns:a16="http://schemas.microsoft.com/office/drawing/2014/main" id="{D4E625E2-4357-73A3-4553-4E36F4D61ABB}"/>
+                <a16:creationId xmlns:a16="http://schemas.microsoft.com/office/drawing/2014/main" xmlns="" id="{D4E625E2-4357-73A3-4553-4E36F4D61ABB}"/>
               </a:ext>
             </a:extLst>
           </p:cNvPr>
@@ -4154,7 +4052,7 @@
           <p:cNvPr id="3" name="Marcador de contenido 2">
             <a:extLst>
               <a:ext uri="{FF2B5EF4-FFF2-40B4-BE49-F238E27FC236}">
-                <a16:creationId xmlns:a16="http://schemas.microsoft.com/office/drawing/2014/main" id="{C49596BC-84CC-54D1-94FA-176F381A71F4}"/>
+                <a16:creationId xmlns:a16="http://schemas.microsoft.com/office/drawing/2014/main" xmlns="" id="{C49596BC-84CC-54D1-94FA-176F381A71F4}"/>
               </a:ext>
             </a:extLst>
           </p:cNvPr>
@@ -4384,7 +4282,7 @@
           <p:cNvPr id="6" name="Imagen 5">
             <a:extLst>
               <a:ext uri="{FF2B5EF4-FFF2-40B4-BE49-F238E27FC236}">
-                <a16:creationId xmlns:a16="http://schemas.microsoft.com/office/drawing/2014/main" id="{A2A19A6D-5D62-C941-DCC0-235C3018DBF1}"/>
+                <a16:creationId xmlns:a16="http://schemas.microsoft.com/office/drawing/2014/main" xmlns="" id="{A2A19A6D-5D62-C941-DCC0-235C3018DBF1}"/>
               </a:ext>
             </a:extLst>
           </p:cNvPr>
